--- a/Software Poster.pptx
+++ b/Software Poster.pptx
@@ -272,7 +272,7 @@
             <a:fld id="{E6CC2317-6751-4CD4-9995-8782DD78E936}" type="datetimeFigureOut">
               <a:rPr lang="en-US" smtClean="0"/>
               <a:pPr/>
-              <a:t>4/25/19</a:t>
+              <a:t>4/26/2019</a:t>
             </a:fld>
             <a:endParaRPr lang="en-US" dirty="0"/>
           </a:p>
@@ -2951,7 +2951,7 @@
               <a:graphicData uri="http://schemas.openxmlformats.org/presentationml/2006/ole">
                 <mc:AlternateContent xmlns:mc="http://schemas.openxmlformats.org/markup-compatibility/2006">
                   <mc:Choice xmlns:v="urn:schemas-microsoft-com:vml" Requires="v">
-                    <p:oleObj spid="_x0000_s1330" name="Image" r:id="rId8" imgW="1828440" imgH="1117440" progId="Photoshop.Image.13">
+                    <p:oleObj spid="_x0000_s1358" name="Image" r:id="rId8" imgW="1828440" imgH="1117440" progId="Photoshop.Image.13">
                       <p:embed/>
                     </p:oleObj>
                   </mc:Choice>
@@ -3008,7 +3008,7 @@
               <a:graphicData uri="http://schemas.openxmlformats.org/presentationml/2006/ole">
                 <mc:AlternateContent xmlns:mc="http://schemas.openxmlformats.org/markup-compatibility/2006">
                   <mc:Choice xmlns:v="urn:schemas-microsoft-com:vml" Requires="v">
-                    <p:oleObj spid="_x0000_s1331" name="Image" r:id="rId10" imgW="1828440" imgH="1117440" progId="Photoshop.Image.13">
+                    <p:oleObj spid="_x0000_s1359" name="Image" r:id="rId10" imgW="1828440" imgH="1117440" progId="Photoshop.Image.13">
                       <p:embed/>
                     </p:oleObj>
                   </mc:Choice>
@@ -4131,7 +4131,7 @@
             <a:graphicData uri="http://schemas.openxmlformats.org/presentationml/2006/ole">
               <mc:AlternateContent xmlns:mc="http://schemas.openxmlformats.org/markup-compatibility/2006">
                 <mc:Choice xmlns:v="urn:schemas-microsoft-com:vml" Requires="v">
-                  <p:oleObj spid="_x0000_s1332" name="Image" r:id="rId12" imgW="4571280" imgH="1688760" progId="Photoshop.Image.13">
+                  <p:oleObj spid="_x0000_s1360" name="Image" r:id="rId12" imgW="4571280" imgH="1688760" progId="Photoshop.Image.13">
                     <p:embed/>
                   </p:oleObj>
                 </mc:Choice>
@@ -4215,7 +4215,7 @@
             <a:graphicData uri="http://schemas.openxmlformats.org/presentationml/2006/ole">
               <mc:AlternateContent xmlns:mc="http://schemas.openxmlformats.org/markup-compatibility/2006">
                 <mc:Choice xmlns:v="urn:schemas-microsoft-com:vml" Requires="v">
-                  <p:oleObj spid="_x0000_s1333" name="Image" r:id="rId15" imgW="1574280" imgH="1053720" progId="Photoshop.Image.13">
+                  <p:oleObj spid="_x0000_s1361" name="Image" r:id="rId15" imgW="1574280" imgH="1053720" progId="Photoshop.Image.13">
                     <p:embed/>
                   </p:oleObj>
                 </mc:Choice>
@@ -4784,49 +4784,6 @@
           </a:prstGeom>
         </p:spPr>
       </p:pic>
-      <p:sp>
-        <p:nvSpPr>
-          <p:cNvPr id="17" name="Text Placeholder 16"/>
-          <p:cNvSpPr>
-            <a:spLocks noGrp="1"/>
-          </p:cNvSpPr>
-          <p:nvPr>
-            <p:ph type="body" sz="quarter" idx="185"/>
-          </p:nvPr>
-        </p:nvSpPr>
-        <p:spPr>
-          <a:xfrm>
-            <a:off x="9269565" y="3535651"/>
-            <a:ext cx="24497917" cy="1631412"/>
-          </a:xfrm>
-          <a:solidFill>
-            <a:schemeClr val="accent6">
-              <a:lumMod val="60000"/>
-              <a:lumOff val="40000"/>
-            </a:schemeClr>
-          </a:solidFill>
-        </p:spPr>
-        <p:txBody>
-          <a:bodyPr>
-            <a:noAutofit/>
-          </a:bodyPr>
-          <a:lstStyle/>
-          <a:p>
-            <a:r>
-              <a:rPr lang="en-US" sz="7200" dirty="0">
-                <a:solidFill>
-                  <a:schemeClr val="accent1">
-                    <a:lumMod val="50000"/>
-                  </a:schemeClr>
-                </a:solidFill>
-                <a:latin typeface="Times New Roman" panose="02020603050405020304" pitchFamily="18" charset="0"/>
-                <a:cs typeface="Times New Roman" panose="02020603050405020304" pitchFamily="18" charset="0"/>
-              </a:rPr>
-              <a:t>Detection and Response</a:t>
-            </a:r>
-          </a:p>
-        </p:txBody>
-      </p:sp>
       <p:grpSp>
         <p:nvGrpSpPr>
           <p:cNvPr id="2062" name="Group 2061">
@@ -4841,8 +4798,8 @@
         </p:nvGrpSpPr>
         <p:grpSpPr>
           <a:xfrm>
-            <a:off x="21424989" y="17511894"/>
-            <a:ext cx="20679028" cy="13629744"/>
+            <a:off x="21424988" y="17511893"/>
+            <a:ext cx="21932811" cy="14922833"/>
             <a:chOff x="28540827" y="17547907"/>
             <a:chExt cx="14615208" cy="14660880"/>
           </a:xfrm>
@@ -4891,20 +4848,10 @@
             <a:grpFill/>
             <a:ln>
               <a:solidFill>
-                <a:schemeClr val="accent6">
-                  <a:lumMod val="75000"/>
-                </a:schemeClr>
+                <a:schemeClr val="bg1"/>
               </a:solidFill>
             </a:ln>
-            <a:extLst>
-              <a:ext uri="{909E8E84-426E-40DD-AFC4-6F175D3DCCD1}">
-                <a14:hiddenFill xmlns:a14="http://schemas.microsoft.com/office/drawing/2010/main">
-                  <a:solidFill>
-                    <a:srgbClr val="FFFFFF"/>
-                  </a:solidFill>
-                </a14:hiddenFill>
-              </a:ext>
-            </a:extLst>
+            <a:extLst/>
           </p:spPr>
         </p:pic>
         <p:pic>
@@ -4945,20 +4892,10 @@
             <a:grpFill/>
             <a:ln>
               <a:solidFill>
-                <a:schemeClr val="accent6">
-                  <a:lumMod val="75000"/>
-                </a:schemeClr>
+                <a:schemeClr val="bg1"/>
               </a:solidFill>
             </a:ln>
-            <a:extLst>
-              <a:ext uri="{909E8E84-426E-40DD-AFC4-6F175D3DCCD1}">
-                <a14:hiddenFill xmlns:a14="http://schemas.microsoft.com/office/drawing/2010/main">
-                  <a:solidFill>
-                    <a:srgbClr val="FFFFFF"/>
-                  </a:solidFill>
-                </a14:hiddenFill>
-              </a:ext>
-            </a:extLst>
+            <a:extLst/>
           </p:spPr>
         </p:pic>
       </p:grpSp>
@@ -5779,7 +5716,7 @@
         </p:nvSpPr>
         <p:spPr>
           <a:xfrm>
-            <a:off x="22953377" y="4981704"/>
+            <a:off x="26258411" y="5484732"/>
             <a:ext cx="12265963" cy="1220881"/>
           </a:xfrm>
           <a:prstGeom prst="rect">
@@ -5954,8 +5891,8 @@
         </p:nvGrpSpPr>
         <p:grpSpPr>
           <a:xfrm>
-            <a:off x="37063680" y="7905674"/>
-            <a:ext cx="5040337" cy="5441077"/>
+            <a:off x="35481740" y="7410527"/>
+            <a:ext cx="6622277" cy="5441077"/>
             <a:chOff x="35848432" y="8064542"/>
             <a:chExt cx="6164668" cy="5501921"/>
           </a:xfrm>
@@ -5996,9 +5933,7 @@
             </a:prstGeom>
             <a:ln>
               <a:solidFill>
-                <a:schemeClr val="accent6">
-                  <a:lumMod val="75000"/>
-                </a:schemeClr>
+                <a:schemeClr val="bg1"/>
               </a:solidFill>
             </a:ln>
           </p:spPr>
@@ -6039,9 +5974,7 @@
             </a:prstGeom>
             <a:ln>
               <a:solidFill>
-                <a:schemeClr val="accent6">
-                  <a:lumMod val="75000"/>
-                </a:schemeClr>
+                <a:schemeClr val="bg1"/>
               </a:solidFill>
             </a:ln>
           </p:spPr>
@@ -6061,8 +5994,8 @@
         </p:nvSpPr>
         <p:spPr>
           <a:xfrm>
-            <a:off x="22690976" y="6606444"/>
-            <a:ext cx="12790764" cy="6740307"/>
+            <a:off x="23214048" y="7098483"/>
+            <a:ext cx="12659295" cy="6740307"/>
           </a:xfrm>
           <a:prstGeom prst="rect">
             <a:avLst/>
@@ -6092,10 +6025,10 @@
               <a:buChar char="•"/>
             </a:pPr>
             <a:r>
-              <a:rPr lang="en-US" sz="5400" dirty="0">
+              <a:rPr lang="en-US" sz="5400" b="1" dirty="0">
                 <a:solidFill>
                   <a:schemeClr val="accent1">
-                    <a:lumMod val="75000"/>
+                    <a:lumMod val="50000"/>
                   </a:schemeClr>
                 </a:solidFill>
                 <a:latin typeface="Times New Roman" panose="02020603050405020304" pitchFamily="18" charset="0"/>
@@ -6110,10 +6043,10 @@
               <a:buChar char="•"/>
             </a:pPr>
             <a:r>
-              <a:rPr lang="en-US" sz="5400" dirty="0">
+              <a:rPr lang="en-US" sz="5400" b="1" dirty="0">
                 <a:solidFill>
                   <a:schemeClr val="accent1">
-                    <a:lumMod val="75000"/>
+                    <a:lumMod val="50000"/>
                   </a:schemeClr>
                 </a:solidFill>
                 <a:latin typeface="Times New Roman" panose="02020603050405020304" pitchFamily="18" charset="0"/>
@@ -6124,10 +6057,10 @@
           </a:p>
           <a:p>
             <a:r>
-              <a:rPr lang="en-US" sz="5400" dirty="0">
+              <a:rPr lang="en-US" sz="5400" b="1" dirty="0">
                 <a:solidFill>
                   <a:schemeClr val="accent1">
-                    <a:lumMod val="75000"/>
+                    <a:lumMod val="50000"/>
                   </a:schemeClr>
                 </a:solidFill>
                 <a:latin typeface="Times New Roman" panose="02020603050405020304" pitchFamily="18" charset="0"/>
@@ -6138,10 +6071,10 @@
           </a:p>
           <a:p>
             <a:r>
-              <a:rPr lang="en-US" sz="5400" dirty="0">
+              <a:rPr lang="en-US" sz="5400" b="1" dirty="0">
                 <a:solidFill>
                   <a:schemeClr val="accent1">
-                    <a:lumMod val="75000"/>
+                    <a:lumMod val="50000"/>
                   </a:schemeClr>
                 </a:solidFill>
                 <a:latin typeface="Times New Roman" panose="02020603050405020304" pitchFamily="18" charset="0"/>
@@ -6156,10 +6089,10 @@
               <a:buChar char="•"/>
             </a:pPr>
             <a:r>
-              <a:rPr lang="en-US" sz="5400" dirty="0">
+              <a:rPr lang="en-US" sz="5400" b="1" dirty="0">
                 <a:solidFill>
                   <a:schemeClr val="accent1">
-                    <a:lumMod val="75000"/>
+                    <a:lumMod val="50000"/>
                   </a:schemeClr>
                 </a:solidFill>
                 <a:latin typeface="Times New Roman" panose="02020603050405020304" pitchFamily="18" charset="0"/>
@@ -6170,10 +6103,10 @@
           </a:p>
           <a:p>
             <a:r>
-              <a:rPr lang="en-US" sz="5400" dirty="0">
+              <a:rPr lang="en-US" sz="5400" b="1" dirty="0">
                 <a:solidFill>
                   <a:schemeClr val="accent1">
-                    <a:lumMod val="75000"/>
+                    <a:lumMod val="50000"/>
                   </a:schemeClr>
                 </a:solidFill>
                 <a:latin typeface="Times New Roman" panose="02020603050405020304" pitchFamily="18" charset="0"/>
@@ -6184,10 +6117,10 @@
           </a:p>
           <a:p>
             <a:r>
-              <a:rPr lang="en-US" sz="5400" dirty="0">
+              <a:rPr lang="en-US" sz="5400" b="1" dirty="0">
                 <a:solidFill>
                   <a:schemeClr val="accent1">
-                    <a:lumMod val="75000"/>
+                    <a:lumMod val="50000"/>
                   </a:schemeClr>
                 </a:solidFill>
                 <a:latin typeface="Times New Roman" panose="02020603050405020304" pitchFamily="18" charset="0"/>
@@ -6198,6 +6131,11 @@
           </a:p>
           <a:p>
             <a:endParaRPr lang="en-US" sz="5400" b="1" dirty="0">
+              <a:solidFill>
+                <a:schemeClr val="accent1">
+                  <a:lumMod val="50000"/>
+                </a:schemeClr>
+              </a:solidFill>
               <a:latin typeface="Times New Roman" panose="02020603050405020304" pitchFamily="18" charset="0"/>
               <a:cs typeface="Times New Roman" panose="02020603050405020304" pitchFamily="18" charset="0"/>
             </a:endParaRPr>
@@ -6349,17 +6287,14 @@
         </p:nvSpPr>
         <p:spPr>
           <a:xfrm>
-            <a:off x="22953378" y="15581254"/>
+            <a:off x="23138321" y="16162483"/>
             <a:ext cx="18506144" cy="1321559"/>
           </a:xfrm>
           <a:prstGeom prst="rect">
             <a:avLst/>
           </a:prstGeom>
           <a:solidFill>
-            <a:schemeClr val="accent6">
-              <a:lumMod val="60000"/>
-              <a:lumOff val="40000"/>
-            </a:schemeClr>
+            <a:schemeClr val="bg1"/>
           </a:solidFill>
           <a:ln>
             <a:noFill/>
@@ -6510,7 +6445,12 @@
           </a:lstStyle>
           <a:p>
             <a:r>
-              <a:rPr lang="en-US" sz="6000" u="sng" dirty="0">
+              <a:rPr lang="en-US" sz="7200" u="sng" dirty="0">
+                <a:solidFill>
+                  <a:schemeClr val="accent1">
+                    <a:lumMod val="50000"/>
+                  </a:schemeClr>
+                </a:solidFill>
                 <a:latin typeface="Times New Roman" panose="02020603050405020304" pitchFamily="18" charset="0"/>
                 <a:cs typeface="Times New Roman" panose="02020603050405020304" pitchFamily="18" charset="0"/>
               </a:rPr>
@@ -6535,7 +6475,7 @@
         </p:nvSpPr>
         <p:spPr>
           <a:xfrm>
-            <a:off x="3438592" y="5407070"/>
+            <a:off x="3235382" y="5483155"/>
             <a:ext cx="15965203" cy="1222458"/>
           </a:xfrm>
           <a:prstGeom prst="rect">
@@ -6688,6 +6628,11 @@
           <a:p>
             <a:r>
               <a:rPr lang="en-US" sz="7200" u="sng" dirty="0">
+                <a:solidFill>
+                  <a:schemeClr val="accent1">
+                    <a:lumMod val="50000"/>
+                  </a:schemeClr>
+                </a:solidFill>
                 <a:latin typeface="Times New Roman" panose="02020603050405020304" pitchFamily="18" charset="0"/>
                 <a:cs typeface="Times New Roman" panose="02020603050405020304" pitchFamily="18" charset="0"/>
               </a:rPr>
@@ -6712,17 +6657,14 @@
         </p:nvSpPr>
         <p:spPr>
           <a:xfrm>
-            <a:off x="3170302" y="17784887"/>
+            <a:off x="3170302" y="18432587"/>
             <a:ext cx="14658973" cy="1280160"/>
           </a:xfrm>
           <a:prstGeom prst="rect">
             <a:avLst/>
           </a:prstGeom>
           <a:solidFill>
-            <a:schemeClr val="accent6">
-              <a:lumMod val="60000"/>
-              <a:lumOff val="40000"/>
-            </a:schemeClr>
+            <a:schemeClr val="bg1"/>
           </a:solidFill>
         </p:spPr>
         <p:txBody>
@@ -6870,7 +6812,7 @@
           </a:lstStyle>
           <a:p>
             <a:r>
-              <a:rPr lang="en-US" sz="6000" u="sng" dirty="0">
+              <a:rPr lang="en-US" sz="7200" u="sng" dirty="0">
                 <a:latin typeface="Times New Roman" panose="02020603050405020304" pitchFamily="18" charset="0"/>
                 <a:cs typeface="Times New Roman" panose="02020603050405020304" pitchFamily="18" charset="0"/>
               </a:rPr>
@@ -6894,7 +6836,7 @@
         <p:spPr>
           <a:xfrm>
             <a:off x="1733906" y="19790141"/>
-            <a:ext cx="17531764" cy="7125027"/>
+            <a:ext cx="18968156" cy="7125027"/>
           </a:xfrm>
           <a:prstGeom prst="rect">
             <a:avLst/>
@@ -6924,10 +6866,10 @@
               <a:buChar char="•"/>
             </a:pPr>
             <a:r>
-              <a:rPr lang="en-US" sz="5400" dirty="0">
+              <a:rPr lang="en-US" sz="5400" b="1" dirty="0">
                 <a:solidFill>
                   <a:schemeClr val="accent1">
-                    <a:lumMod val="75000"/>
+                    <a:lumMod val="50000"/>
                   </a:schemeClr>
                 </a:solidFill>
                 <a:latin typeface="Times New Roman" panose="02020603050405020304" pitchFamily="18" charset="0"/>
@@ -6938,10 +6880,10 @@
           </a:p>
           <a:p>
             <a:r>
-              <a:rPr lang="en-US" sz="5400" dirty="0">
+              <a:rPr lang="en-US" sz="5400" b="1" dirty="0">
                 <a:solidFill>
                   <a:schemeClr val="accent1">
-                    <a:lumMod val="75000"/>
+                    <a:lumMod val="50000"/>
                   </a:schemeClr>
                 </a:solidFill>
                 <a:latin typeface="Times New Roman" panose="02020603050405020304" pitchFamily="18" charset="0"/>
@@ -6952,10 +6894,10 @@
           </a:p>
           <a:p>
             <a:r>
-              <a:rPr lang="en-US" sz="5400" dirty="0">
+              <a:rPr lang="en-US" sz="5400" b="1" dirty="0">
                 <a:solidFill>
                   <a:schemeClr val="accent1">
-                    <a:lumMod val="75000"/>
+                    <a:lumMod val="50000"/>
                   </a:schemeClr>
                 </a:solidFill>
                 <a:latin typeface="Times New Roman" panose="02020603050405020304" pitchFamily="18" charset="0"/>
@@ -6970,10 +6912,10 @@
               <a:buChar char="•"/>
             </a:pPr>
             <a:r>
-              <a:rPr lang="en-US" sz="5400" dirty="0">
+              <a:rPr lang="en-US" sz="5400" b="1" dirty="0">
                 <a:solidFill>
                   <a:schemeClr val="accent1">
-                    <a:lumMod val="75000"/>
+                    <a:lumMod val="50000"/>
                   </a:schemeClr>
                 </a:solidFill>
                 <a:latin typeface="Times New Roman" panose="02020603050405020304" pitchFamily="18" charset="0"/>
@@ -6984,10 +6926,10 @@
           </a:p>
           <a:p>
             <a:r>
-              <a:rPr lang="en-US" sz="5400" dirty="0">
+              <a:rPr lang="en-US" sz="5400" b="1" dirty="0">
                 <a:solidFill>
                   <a:schemeClr val="accent1">
-                    <a:lumMod val="75000"/>
+                    <a:lumMod val="50000"/>
                   </a:schemeClr>
                 </a:solidFill>
                 <a:latin typeface="Times New Roman" panose="02020603050405020304" pitchFamily="18" charset="0"/>
@@ -7002,10 +6944,10 @@
               <a:buChar char="•"/>
             </a:pPr>
             <a:r>
-              <a:rPr lang="en-US" sz="5400" dirty="0">
+              <a:rPr lang="en-US" sz="5400" b="1" dirty="0">
                 <a:solidFill>
                   <a:schemeClr val="accent1">
-                    <a:lumMod val="75000"/>
+                    <a:lumMod val="50000"/>
                   </a:schemeClr>
                 </a:solidFill>
                 <a:latin typeface="Times New Roman" panose="02020603050405020304" pitchFamily="18" charset="0"/>
@@ -7016,10 +6958,10 @@
           </a:p>
           <a:p>
             <a:r>
-              <a:rPr lang="en-US" sz="5400" dirty="0">
+              <a:rPr lang="en-US" sz="5400" b="1" dirty="0">
                 <a:solidFill>
                   <a:schemeClr val="accent1">
-                    <a:lumMod val="75000"/>
+                    <a:lumMod val="50000"/>
                   </a:schemeClr>
                 </a:solidFill>
                 <a:latin typeface="Times New Roman" panose="02020603050405020304" pitchFamily="18" charset="0"/>
@@ -7030,10 +6972,10 @@
           </a:p>
           <a:p>
             <a:r>
-              <a:rPr lang="en-US" sz="5400" dirty="0">
+              <a:rPr lang="en-US" sz="5400" b="1" dirty="0">
                 <a:solidFill>
                   <a:schemeClr val="accent1">
-                    <a:lumMod val="75000"/>
+                    <a:lumMod val="50000"/>
                   </a:schemeClr>
                 </a:solidFill>
                 <a:latin typeface="Times New Roman" panose="02020603050405020304" pitchFamily="18" charset="0"/>
@@ -7043,59 +6985,15 @@
             </a:r>
           </a:p>
           <a:p>
-            <a:endParaRPr lang="en-US" sz="2500" dirty="0">
+            <a:endParaRPr lang="en-US" sz="2500" b="1" dirty="0">
+              <a:solidFill>
+                <a:schemeClr val="accent1">
+                  <a:lumMod val="50000"/>
+                </a:schemeClr>
+              </a:solidFill>
               <a:latin typeface="Times New Roman" panose="02020603050405020304" pitchFamily="18" charset="0"/>
               <a:cs typeface="Times New Roman" panose="02020603050405020304" pitchFamily="18" charset="0"/>
             </a:endParaRPr>
-          </a:p>
-        </p:txBody>
-      </p:sp>
-      <p:sp>
-        <p:nvSpPr>
-          <p:cNvPr id="19" name="TextBox 18">
-            <a:extLst>
-              <a:ext uri="{FF2B5EF4-FFF2-40B4-BE49-F238E27FC236}">
-                <a16:creationId xmlns:a16="http://schemas.microsoft.com/office/drawing/2014/main" id="{B50A3A6A-72B2-3C4E-819E-CD5C16FAB011}"/>
-              </a:ext>
-            </a:extLst>
-          </p:cNvPr>
-          <p:cNvSpPr txBox="1"/>
-          <p:nvPr/>
-        </p:nvSpPr>
-        <p:spPr>
-          <a:xfrm>
-            <a:off x="9269565" y="2526994"/>
-            <a:ext cx="24497917" cy="1200329"/>
-          </a:xfrm>
-          <a:prstGeom prst="rect">
-            <a:avLst/>
-          </a:prstGeom>
-          <a:solidFill>
-            <a:schemeClr val="accent6">
-              <a:lumMod val="60000"/>
-              <a:lumOff val="40000"/>
-            </a:schemeClr>
-          </a:solidFill>
-        </p:spPr>
-        <p:txBody>
-          <a:bodyPr wrap="square" rtlCol="0">
-            <a:spAutoFit/>
-          </a:bodyPr>
-          <a:lstStyle/>
-          <a:p>
-            <a:pPr algn="ctr"/>
-            <a:r>
-              <a:rPr lang="en-US" sz="7200" b="1" dirty="0">
-                <a:solidFill>
-                  <a:schemeClr val="accent1">
-                    <a:lumMod val="50000"/>
-                  </a:schemeClr>
-                </a:solidFill>
-                <a:latin typeface="Times New Roman" panose="02020603050405020304" pitchFamily="18" charset="0"/>
-                <a:cs typeface="Times New Roman" panose="02020603050405020304" pitchFamily="18" charset="0"/>
-              </a:rPr>
-              <a:t>Software</a:t>
-            </a:r>
           </a:p>
         </p:txBody>
       </p:sp>
@@ -7143,6 +7041,396 @@
           </a:ln>
         </p:spPr>
       </p:pic>
+      <p:sp>
+        <p:nvSpPr>
+          <p:cNvPr id="62" name="Text Placeholder 15">
+            <a:extLst>
+              <a:ext uri="{FF2B5EF4-FFF2-40B4-BE49-F238E27FC236}">
+                <a16:creationId xmlns:a16="http://schemas.microsoft.com/office/drawing/2014/main" id="{E378CC58-7872-40C1-87C1-EAF5B261F219}"/>
+              </a:ext>
+            </a:extLst>
+          </p:cNvPr>
+          <p:cNvSpPr txBox="1">
+            <a:spLocks/>
+          </p:cNvSpPr>
+          <p:nvPr/>
+        </p:nvSpPr>
+        <p:spPr>
+          <a:xfrm>
+            <a:off x="7853039" y="3710187"/>
+            <a:ext cx="27995394" cy="1220881"/>
+          </a:xfrm>
+          <a:prstGeom prst="rect">
+            <a:avLst/>
+          </a:prstGeom>
+          <a:solidFill>
+            <a:schemeClr val="accent6">
+              <a:lumMod val="60000"/>
+              <a:lumOff val="40000"/>
+            </a:schemeClr>
+          </a:solidFill>
+        </p:spPr>
+        <p:txBody>
+          <a:bodyPr>
+            <a:normAutofit/>
+          </a:bodyPr>
+          <a:lstStyle>
+            <a:lvl1pPr marL="0" indent="0" algn="ctr" defTabSz="4388900" rtl="0" eaLnBrk="1" latinLnBrk="0" hangingPunct="1">
+              <a:spcBef>
+                <a:spcPct val="20000"/>
+              </a:spcBef>
+              <a:buFontTx/>
+              <a:buNone/>
+              <a:defRPr sz="6600" kern="1200">
+                <a:solidFill>
+                  <a:schemeClr val="accent5">
+                    <a:lumMod val="50000"/>
+                  </a:schemeClr>
+                </a:solidFill>
+                <a:latin typeface="+mn-lt"/>
+                <a:ea typeface="+mn-ea"/>
+                <a:cs typeface="+mn-cs"/>
+              </a:defRPr>
+            </a:lvl1pPr>
+            <a:lvl2pPr marL="3565982" indent="-1371531" algn="l" defTabSz="4388900" rtl="0" eaLnBrk="1" latinLnBrk="0" hangingPunct="1">
+              <a:spcBef>
+                <a:spcPct val="20000"/>
+              </a:spcBef>
+              <a:buFontTx/>
+              <a:buNone/>
+              <a:defRPr sz="7200" kern="1200">
+                <a:solidFill>
+                  <a:schemeClr val="tx1"/>
+                </a:solidFill>
+                <a:latin typeface="+mn-lt"/>
+                <a:ea typeface="+mn-ea"/>
+                <a:cs typeface="+mn-cs"/>
+              </a:defRPr>
+            </a:lvl2pPr>
+            <a:lvl3pPr marL="5486126" indent="-1097226" algn="l" defTabSz="4388900" rtl="0" eaLnBrk="1" latinLnBrk="0" hangingPunct="1">
+              <a:spcBef>
+                <a:spcPct val="20000"/>
+              </a:spcBef>
+              <a:buFontTx/>
+              <a:buNone/>
+              <a:defRPr sz="7200" kern="1200">
+                <a:solidFill>
+                  <a:schemeClr val="tx1"/>
+                </a:solidFill>
+                <a:latin typeface="+mn-lt"/>
+                <a:ea typeface="+mn-ea"/>
+                <a:cs typeface="+mn-cs"/>
+              </a:defRPr>
+            </a:lvl3pPr>
+            <a:lvl4pPr marL="7680577" indent="-1097226" algn="l" defTabSz="4388900" rtl="0" eaLnBrk="1" latinLnBrk="0" hangingPunct="1">
+              <a:spcBef>
+                <a:spcPct val="20000"/>
+              </a:spcBef>
+              <a:buFontTx/>
+              <a:buNone/>
+              <a:defRPr sz="7200" kern="1200">
+                <a:solidFill>
+                  <a:schemeClr val="tx1"/>
+                </a:solidFill>
+                <a:latin typeface="+mn-lt"/>
+                <a:ea typeface="+mn-ea"/>
+                <a:cs typeface="+mn-cs"/>
+              </a:defRPr>
+            </a:lvl4pPr>
+            <a:lvl5pPr marL="9875026" indent="-1097226" algn="l" defTabSz="4388900" rtl="0" eaLnBrk="1" latinLnBrk="0" hangingPunct="1">
+              <a:spcBef>
+                <a:spcPct val="20000"/>
+              </a:spcBef>
+              <a:buFontTx/>
+              <a:buNone/>
+              <a:defRPr sz="7200" kern="1200">
+                <a:solidFill>
+                  <a:schemeClr val="tx1"/>
+                </a:solidFill>
+                <a:latin typeface="+mn-lt"/>
+                <a:ea typeface="+mn-ea"/>
+                <a:cs typeface="+mn-cs"/>
+              </a:defRPr>
+            </a:lvl5pPr>
+            <a:lvl6pPr marL="12069477" indent="-1097226" algn="l" defTabSz="4388900" rtl="0" eaLnBrk="1" latinLnBrk="0" hangingPunct="1">
+              <a:spcBef>
+                <a:spcPct val="20000"/>
+              </a:spcBef>
+              <a:buFont typeface="Arial" pitchFamily="34" charset="0"/>
+              <a:buChar char="•"/>
+              <a:defRPr sz="9600" kern="1200">
+                <a:solidFill>
+                  <a:schemeClr val="tx1"/>
+                </a:solidFill>
+                <a:latin typeface="+mn-lt"/>
+                <a:ea typeface="+mn-ea"/>
+                <a:cs typeface="+mn-cs"/>
+              </a:defRPr>
+            </a:lvl6pPr>
+            <a:lvl7pPr marL="14263926" indent="-1097226" algn="l" defTabSz="4388900" rtl="0" eaLnBrk="1" latinLnBrk="0" hangingPunct="1">
+              <a:spcBef>
+                <a:spcPct val="20000"/>
+              </a:spcBef>
+              <a:buFont typeface="Arial" pitchFamily="34" charset="0"/>
+              <a:buChar char="•"/>
+              <a:defRPr sz="9600" kern="1200">
+                <a:solidFill>
+                  <a:schemeClr val="tx1"/>
+                </a:solidFill>
+                <a:latin typeface="+mn-lt"/>
+                <a:ea typeface="+mn-ea"/>
+                <a:cs typeface="+mn-cs"/>
+              </a:defRPr>
+            </a:lvl7pPr>
+            <a:lvl8pPr marL="16458377" indent="-1097226" algn="l" defTabSz="4388900" rtl="0" eaLnBrk="1" latinLnBrk="0" hangingPunct="1">
+              <a:spcBef>
+                <a:spcPct val="20000"/>
+              </a:spcBef>
+              <a:buFont typeface="Arial" pitchFamily="34" charset="0"/>
+              <a:buChar char="•"/>
+              <a:defRPr sz="9600" kern="1200">
+                <a:solidFill>
+                  <a:schemeClr val="tx1"/>
+                </a:solidFill>
+                <a:latin typeface="+mn-lt"/>
+                <a:ea typeface="+mn-ea"/>
+                <a:cs typeface="+mn-cs"/>
+              </a:defRPr>
+            </a:lvl8pPr>
+            <a:lvl9pPr marL="18652827" indent="-1097226" algn="l" defTabSz="4388900" rtl="0" eaLnBrk="1" latinLnBrk="0" hangingPunct="1">
+              <a:spcBef>
+                <a:spcPct val="20000"/>
+              </a:spcBef>
+              <a:buFont typeface="Arial" pitchFamily="34" charset="0"/>
+              <a:buChar char="•"/>
+              <a:defRPr sz="9600" kern="1200">
+                <a:solidFill>
+                  <a:schemeClr val="tx1"/>
+                </a:solidFill>
+                <a:latin typeface="+mn-lt"/>
+                <a:ea typeface="+mn-ea"/>
+                <a:cs typeface="+mn-cs"/>
+              </a:defRPr>
+            </a:lvl9pPr>
+          </a:lstStyle>
+          <a:p>
+            <a:r>
+              <a:rPr lang="en-US" sz="5400" b="1" dirty="0">
+                <a:solidFill>
+                  <a:schemeClr val="accent1">
+                    <a:lumMod val="50000"/>
+                  </a:schemeClr>
+                </a:solidFill>
+              </a:rPr>
+              <a:t>Department of Electrical and Computer Engineering, Auburn University, Auburn, Alabama, USA </a:t>
+            </a:r>
+          </a:p>
+          <a:p>
+            <a:endParaRPr lang="en-US" sz="5400" dirty="0">
+              <a:solidFill>
+                <a:schemeClr val="accent1">
+                  <a:lumMod val="50000"/>
+                </a:schemeClr>
+              </a:solidFill>
+            </a:endParaRPr>
+          </a:p>
+        </p:txBody>
+      </p:sp>
+      <p:sp>
+        <p:nvSpPr>
+          <p:cNvPr id="63" name="Text Placeholder 16">
+            <a:extLst>
+              <a:ext uri="{FF2B5EF4-FFF2-40B4-BE49-F238E27FC236}">
+                <a16:creationId xmlns:a16="http://schemas.microsoft.com/office/drawing/2014/main" id="{DD588E82-64D4-4761-8D54-D8D3D26028DC}"/>
+              </a:ext>
+            </a:extLst>
+          </p:cNvPr>
+          <p:cNvSpPr txBox="1">
+            <a:spLocks/>
+          </p:cNvSpPr>
+          <p:nvPr/>
+        </p:nvSpPr>
+        <p:spPr>
+          <a:xfrm>
+            <a:off x="7853039" y="2471605"/>
+            <a:ext cx="27995393" cy="1277299"/>
+          </a:xfrm>
+          <a:prstGeom prst="rect">
+            <a:avLst/>
+          </a:prstGeom>
+          <a:solidFill>
+            <a:schemeClr val="accent6">
+              <a:lumMod val="60000"/>
+              <a:lumOff val="40000"/>
+            </a:schemeClr>
+          </a:solidFill>
+          <a:ln>
+            <a:solidFill>
+              <a:schemeClr val="accent6">
+                <a:lumMod val="60000"/>
+                <a:lumOff val="40000"/>
+              </a:schemeClr>
+            </a:solidFill>
+          </a:ln>
+        </p:spPr>
+        <p:txBody>
+          <a:bodyPr>
+            <a:noAutofit/>
+          </a:bodyPr>
+          <a:lstStyle>
+            <a:lvl1pPr marL="1645838" indent="-1645838" algn="l" defTabSz="4388900" rtl="0" eaLnBrk="1" latinLnBrk="0" hangingPunct="1">
+              <a:spcBef>
+                <a:spcPct val="20000"/>
+              </a:spcBef>
+              <a:buFont typeface="Arial" pitchFamily="34" charset="0"/>
+              <a:buChar char="•"/>
+              <a:defRPr sz="15400" kern="1200">
+                <a:solidFill>
+                  <a:schemeClr val="tx1"/>
+                </a:solidFill>
+                <a:latin typeface="+mn-lt"/>
+                <a:ea typeface="+mn-ea"/>
+                <a:cs typeface="+mn-cs"/>
+              </a:defRPr>
+            </a:lvl1pPr>
+            <a:lvl2pPr marL="3565982" indent="-1371531" algn="l" defTabSz="4388900" rtl="0" eaLnBrk="1" latinLnBrk="0" hangingPunct="1">
+              <a:spcBef>
+                <a:spcPct val="20000"/>
+              </a:spcBef>
+              <a:buFont typeface="Arial" pitchFamily="34" charset="0"/>
+              <a:buChar char="–"/>
+              <a:defRPr sz="13500" kern="1200">
+                <a:solidFill>
+                  <a:schemeClr val="tx1"/>
+                </a:solidFill>
+                <a:latin typeface="+mn-lt"/>
+                <a:ea typeface="+mn-ea"/>
+                <a:cs typeface="+mn-cs"/>
+              </a:defRPr>
+            </a:lvl2pPr>
+            <a:lvl3pPr marL="5486126" indent="-1097226" algn="l" defTabSz="4388900" rtl="0" eaLnBrk="1" latinLnBrk="0" hangingPunct="1">
+              <a:spcBef>
+                <a:spcPct val="20000"/>
+              </a:spcBef>
+              <a:buFont typeface="Arial" pitchFamily="34" charset="0"/>
+              <a:buChar char="•"/>
+              <a:defRPr sz="11600" kern="1200">
+                <a:solidFill>
+                  <a:schemeClr val="tx1"/>
+                </a:solidFill>
+                <a:latin typeface="+mn-lt"/>
+                <a:ea typeface="+mn-ea"/>
+                <a:cs typeface="+mn-cs"/>
+              </a:defRPr>
+            </a:lvl3pPr>
+            <a:lvl4pPr marL="7680577" indent="-1097226" algn="l" defTabSz="4388900" rtl="0" eaLnBrk="1" latinLnBrk="0" hangingPunct="1">
+              <a:spcBef>
+                <a:spcPct val="20000"/>
+              </a:spcBef>
+              <a:buFont typeface="Arial" pitchFamily="34" charset="0"/>
+              <a:buChar char="–"/>
+              <a:defRPr sz="9600" kern="1200">
+                <a:solidFill>
+                  <a:schemeClr val="tx1"/>
+                </a:solidFill>
+                <a:latin typeface="+mn-lt"/>
+                <a:ea typeface="+mn-ea"/>
+                <a:cs typeface="+mn-cs"/>
+              </a:defRPr>
+            </a:lvl4pPr>
+            <a:lvl5pPr marL="9875026" indent="-1097226" algn="l" defTabSz="4388900" rtl="0" eaLnBrk="1" latinLnBrk="0" hangingPunct="1">
+              <a:spcBef>
+                <a:spcPct val="20000"/>
+              </a:spcBef>
+              <a:buFont typeface="Arial" pitchFamily="34" charset="0"/>
+              <a:buChar char="»"/>
+              <a:defRPr sz="9600" kern="1200">
+                <a:solidFill>
+                  <a:schemeClr val="tx1"/>
+                </a:solidFill>
+                <a:latin typeface="+mn-lt"/>
+                <a:ea typeface="+mn-ea"/>
+                <a:cs typeface="+mn-cs"/>
+              </a:defRPr>
+            </a:lvl5pPr>
+            <a:lvl6pPr marL="12069477" indent="-1097226" algn="l" defTabSz="4388900" rtl="0" eaLnBrk="1" latinLnBrk="0" hangingPunct="1">
+              <a:spcBef>
+                <a:spcPct val="20000"/>
+              </a:spcBef>
+              <a:buFont typeface="Arial" pitchFamily="34" charset="0"/>
+              <a:buChar char="•"/>
+              <a:defRPr sz="9600" kern="1200">
+                <a:solidFill>
+                  <a:schemeClr val="tx1"/>
+                </a:solidFill>
+                <a:latin typeface="+mn-lt"/>
+                <a:ea typeface="+mn-ea"/>
+                <a:cs typeface="+mn-cs"/>
+              </a:defRPr>
+            </a:lvl6pPr>
+            <a:lvl7pPr marL="14263926" indent="-1097226" algn="l" defTabSz="4388900" rtl="0" eaLnBrk="1" latinLnBrk="0" hangingPunct="1">
+              <a:spcBef>
+                <a:spcPct val="20000"/>
+              </a:spcBef>
+              <a:buFont typeface="Arial" pitchFamily="34" charset="0"/>
+              <a:buChar char="•"/>
+              <a:defRPr sz="9600" kern="1200">
+                <a:solidFill>
+                  <a:schemeClr val="tx1"/>
+                </a:solidFill>
+                <a:latin typeface="+mn-lt"/>
+                <a:ea typeface="+mn-ea"/>
+                <a:cs typeface="+mn-cs"/>
+              </a:defRPr>
+            </a:lvl7pPr>
+            <a:lvl8pPr marL="16458377" indent="-1097226" algn="l" defTabSz="4388900" rtl="0" eaLnBrk="1" latinLnBrk="0" hangingPunct="1">
+              <a:spcBef>
+                <a:spcPct val="20000"/>
+              </a:spcBef>
+              <a:buFont typeface="Arial" pitchFamily="34" charset="0"/>
+              <a:buChar char="•"/>
+              <a:defRPr sz="9600" kern="1200">
+                <a:solidFill>
+                  <a:schemeClr val="tx1"/>
+                </a:solidFill>
+                <a:latin typeface="+mn-lt"/>
+                <a:ea typeface="+mn-ea"/>
+                <a:cs typeface="+mn-cs"/>
+              </a:defRPr>
+            </a:lvl8pPr>
+            <a:lvl9pPr marL="18652827" indent="-1097226" algn="l" defTabSz="4388900" rtl="0" eaLnBrk="1" latinLnBrk="0" hangingPunct="1">
+              <a:spcBef>
+                <a:spcPct val="20000"/>
+              </a:spcBef>
+              <a:buFont typeface="Arial" pitchFamily="34" charset="0"/>
+              <a:buChar char="•"/>
+              <a:defRPr sz="9600" kern="1200">
+                <a:solidFill>
+                  <a:schemeClr val="tx1"/>
+                </a:solidFill>
+                <a:latin typeface="+mn-lt"/>
+                <a:ea typeface="+mn-ea"/>
+                <a:cs typeface="+mn-cs"/>
+              </a:defRPr>
+            </a:lvl9pPr>
+          </a:lstStyle>
+          <a:p>
+            <a:pPr marL="0" indent="0" algn="ctr">
+              <a:buNone/>
+            </a:pPr>
+            <a:r>
+              <a:rPr lang="en-US" sz="8000" b="1" dirty="0">
+                <a:solidFill>
+                  <a:schemeClr val="accent1">
+                    <a:lumMod val="50000"/>
+                  </a:schemeClr>
+                </a:solidFill>
+              </a:rPr>
+              <a:t>Software</a:t>
+            </a:r>
+          </a:p>
+        </p:txBody>
+      </p:sp>
     </p:spTree>
     <p:extLst>
       <p:ext uri="{BB962C8B-B14F-4D97-AF65-F5344CB8AC3E}">
